--- a/predavanja/prezentacije/2020-21/03 - 01 - Uvod u Internet.pptx
+++ b/predavanja/prezentacije/2020-21/03 - 01 - Uvod u Internet.pptx
@@ -315,7 +315,7 @@
           <a:p>
             <a:fld id="{F07B70C6-757F-4600-A347-5E68BBCA3609}" type="datetimeFigureOut">
               <a:rPr lang="en-US" smtClean="0"/>
-              <a:t>23-Jan-21</a:t>
+              <a:t>05-Mar-21</a:t>
             </a:fld>
             <a:endParaRPr lang="en-US"/>
           </a:p>
@@ -480,7 +480,7 @@
           <a:p>
             <a:fld id="{6B3683FA-0560-4266-A2CA-8A7D404C35FD}" type="datetimeFigureOut">
               <a:rPr lang="en-US" smtClean="0"/>
-              <a:t>23-Jan-21</a:t>
+              <a:t>05-Mar-21</a:t>
             </a:fld>
             <a:endParaRPr lang="en-US"/>
           </a:p>
@@ -5699,8 +5699,8 @@
         </p:nvSpPr>
         <p:spPr bwMode="auto">
           <a:xfrm>
-            <a:off x="8467474" y="274072"/>
-            <a:ext cx="511680" cy="215444"/>
+            <a:off x="8493123" y="274072"/>
+            <a:ext cx="460383" cy="215444"/>
           </a:xfrm>
           <a:prstGeom prst="rect">
             <a:avLst/>
@@ -5884,7 +5884,7 @@
                 <a:latin typeface="Times New Roman" pitchFamily="18" charset="0"/>
                 <a:cs typeface="Arial" charset="0"/>
               </a:rPr>
-              <a:t>/</a:t>
+              <a:t>/6</a:t>
             </a:r>
             <a:r>
               <a:rPr lang="sr-Latn-RS" sz="800" dirty="0" smtClean="0">
@@ -5894,7 +5894,7 @@
                 <a:latin typeface="Times New Roman" pitchFamily="18" charset="0"/>
                 <a:cs typeface="Arial" charset="0"/>
               </a:rPr>
-              <a:t>114</a:t>
+              <a:t>1</a:t>
             </a:r>
             <a:endParaRPr lang="en-US" sz="800" dirty="0" smtClean="0">
               <a:solidFill>
